--- a/Study/PortSwigger.pptx
+++ b/Study/PortSwigger.pptx
@@ -29,15 +29,17 @@
     <p:sldId id="274" r:id="rId23"/>
     <p:sldId id="275" r:id="rId24"/>
     <p:sldId id="276" r:id="rId25"/>
-    <p:sldId id="277" r:id="rId26"/>
-    <p:sldId id="278" r:id="rId27"/>
-    <p:sldId id="279" r:id="rId28"/>
-    <p:sldId id="280" r:id="rId29"/>
-    <p:sldId id="281" r:id="rId30"/>
-    <p:sldId id="283" r:id="rId31"/>
-    <p:sldId id="284" r:id="rId32"/>
-    <p:sldId id="289" r:id="rId33"/>
-    <p:sldId id="285" r:id="rId34"/>
+    <p:sldId id="291" r:id="rId26"/>
+    <p:sldId id="290" r:id="rId27"/>
+    <p:sldId id="277" r:id="rId28"/>
+    <p:sldId id="278" r:id="rId29"/>
+    <p:sldId id="279" r:id="rId30"/>
+    <p:sldId id="280" r:id="rId31"/>
+    <p:sldId id="281" r:id="rId32"/>
+    <p:sldId id="283" r:id="rId33"/>
+    <p:sldId id="284" r:id="rId34"/>
+    <p:sldId id="289" r:id="rId35"/>
+    <p:sldId id="285" r:id="rId36"/>
   </p:sldIdLst>
   <p:sldSz cx="12192000" cy="6858000"/>
   <p:notesSz cx="6858000" cy="9144000"/>
@@ -5475,7 +5477,7 @@
           <p:cNvPr id="2" name="Tiêu đề 1">
             <a:extLst>
               <a:ext uri="{FF2B5EF4-FFF2-40B4-BE49-F238E27FC236}">
-                <a16:creationId xmlns:a16="http://schemas.microsoft.com/office/drawing/2014/main" id="{23243A9E-D760-5D05-EA24-7DBB4F09501F}"/>
+                <a16:creationId xmlns:a16="http://schemas.microsoft.com/office/drawing/2014/main" id="{75F05CF3-1BE5-A73D-823D-B2FA215E947C}"/>
               </a:ext>
             </a:extLst>
           </p:cNvPr>
@@ -5504,12 +5506,51 @@
           </a:p>
         </p:txBody>
       </p:sp>
+      <p:sp>
+        <p:nvSpPr>
+          <p:cNvPr id="3" name="Hộp Văn bản 2">
+            <a:extLst>
+              <a:ext uri="{FF2B5EF4-FFF2-40B4-BE49-F238E27FC236}">
+                <a16:creationId xmlns:a16="http://schemas.microsoft.com/office/drawing/2014/main" id="{D9313DC6-9CAD-EEC9-9ED7-4CEAE7D60882}"/>
+              </a:ext>
+            </a:extLst>
+          </p:cNvPr>
+          <p:cNvSpPr txBox="1"/>
+          <p:nvPr/>
+        </p:nvSpPr>
+        <p:spPr>
+          <a:xfrm>
+            <a:off x="838200" y="1429078"/>
+            <a:ext cx="4586654" cy="523220"/>
+          </a:xfrm>
+          <a:prstGeom prst="rect">
+            <a:avLst/>
+          </a:prstGeom>
+          <a:noFill/>
+        </p:spPr>
+        <p:txBody>
+          <a:bodyPr wrap="square" rtlCol="0">
+            <a:spAutoFit/>
+          </a:bodyPr>
+          <a:lstStyle/>
+          <a:p>
+            <a:pPr marL="285750" indent="-285750">
+              <a:buFont typeface="Arial" panose="020B0604020202020204" pitchFamily="34" charset="0"/>
+              <a:buChar char="•"/>
+            </a:pPr>
+            <a:r>
+              <a:rPr lang="en-US" sz="2800" dirty="0"/>
+              <a:t>Application Login</a:t>
+            </a:r>
+          </a:p>
+        </p:txBody>
+      </p:sp>
       <p:pic>
         <p:nvPicPr>
           <p:cNvPr id="5" name="Hình ảnh 4">
             <a:extLst>
               <a:ext uri="{FF2B5EF4-FFF2-40B4-BE49-F238E27FC236}">
-                <a16:creationId xmlns:a16="http://schemas.microsoft.com/office/drawing/2014/main" id="{12FDAFC0-553E-A29C-CE4D-3ED3DAD479D7}"/>
+                <a16:creationId xmlns:a16="http://schemas.microsoft.com/office/drawing/2014/main" id="{701E8ED5-3047-7B51-2839-3E058F0E2357}"/>
               </a:ext>
             </a:extLst>
           </p:cNvPr>
@@ -5526,8 +5567,8 @@
         </p:blipFill>
         <p:spPr>
           <a:xfrm>
-            <a:off x="3260274" y="1690688"/>
-            <a:ext cx="5671451" cy="4896612"/>
+            <a:off x="1759304" y="1952298"/>
+            <a:ext cx="7331100" cy="4394701"/>
           </a:xfrm>
           <a:prstGeom prst="rect">
             <a:avLst/>
@@ -5537,7 +5578,7 @@
     </p:spTree>
     <p:extLst>
       <p:ext uri="{BB962C8B-B14F-4D97-AF65-F5344CB8AC3E}">
-        <p14:creationId xmlns:p14="http://schemas.microsoft.com/office/powerpoint/2010/main" val="3314728850"/>
+        <p14:creationId xmlns:p14="http://schemas.microsoft.com/office/powerpoint/2010/main" val="2491762513"/>
       </p:ext>
     </p:extLst>
   </p:cSld>
@@ -5569,7 +5610,7 @@
           <p:cNvPr id="2" name="Tiêu đề 1">
             <a:extLst>
               <a:ext uri="{FF2B5EF4-FFF2-40B4-BE49-F238E27FC236}">
-                <a16:creationId xmlns:a16="http://schemas.microsoft.com/office/drawing/2014/main" id="{ADC1734F-BDFE-32E3-92A2-11F9CC1B1052}"/>
+                <a16:creationId xmlns:a16="http://schemas.microsoft.com/office/drawing/2014/main" id="{75F05CF3-1BE5-A73D-823D-B2FA215E947C}"/>
               </a:ext>
             </a:extLst>
           </p:cNvPr>
@@ -5598,12 +5639,53 @@
           </a:p>
         </p:txBody>
       </p:sp>
+      <p:sp>
+        <p:nvSpPr>
+          <p:cNvPr id="3" name="Hộp Văn bản 2">
+            <a:extLst>
+              <a:ext uri="{FF2B5EF4-FFF2-40B4-BE49-F238E27FC236}">
+                <a16:creationId xmlns:a16="http://schemas.microsoft.com/office/drawing/2014/main" id="{D9313DC6-9CAD-EEC9-9ED7-4CEAE7D60882}"/>
+              </a:ext>
+            </a:extLst>
+          </p:cNvPr>
+          <p:cNvSpPr txBox="1"/>
+          <p:nvPr/>
+        </p:nvSpPr>
+        <p:spPr>
+          <a:xfrm>
+            <a:off x="838199" y="1429078"/>
+            <a:ext cx="8165124" cy="523220"/>
+          </a:xfrm>
+          <a:prstGeom prst="rect">
+            <a:avLst/>
+          </a:prstGeom>
+          <a:noFill/>
+        </p:spPr>
+        <p:txBody>
+          <a:bodyPr wrap="square" rtlCol="0">
+            <a:spAutoFit/>
+          </a:bodyPr>
+          <a:lstStyle/>
+          <a:p>
+            <a:pPr marL="457200" indent="-457200" algn="l">
+              <a:buFont typeface="Arial" panose="020B0604020202020204" pitchFamily="34" charset="0"/>
+              <a:buChar char="•"/>
+            </a:pPr>
+            <a:r>
+              <a:rPr lang="en-US" sz="2800" i="0" dirty="0">
+                <a:effectLst/>
+              </a:rPr>
+              <a:t>Detecting changes in application state</a:t>
+            </a:r>
+          </a:p>
+        </p:txBody>
+      </p:sp>
       <p:pic>
         <p:nvPicPr>
-          <p:cNvPr id="4" name="Hình ảnh 3">
-            <a:extLst>
-              <a:ext uri="{FF2B5EF4-FFF2-40B4-BE49-F238E27FC236}">
-                <a16:creationId xmlns:a16="http://schemas.microsoft.com/office/drawing/2014/main" id="{BAD3F4D6-80C5-C669-8484-F39D48562A38}"/>
+          <p:cNvPr id="7" name="Hình ảnh 6">
+            <a:extLst>
+              <a:ext uri="{FF2B5EF4-FFF2-40B4-BE49-F238E27FC236}">
+                <a16:creationId xmlns:a16="http://schemas.microsoft.com/office/drawing/2014/main" id="{E777DA55-DFFB-FAD0-A925-39CD293ABBA4}"/>
               </a:ext>
             </a:extLst>
           </p:cNvPr>
@@ -5620,57 +5702,18 @@
         </p:blipFill>
         <p:spPr>
           <a:xfrm>
-            <a:off x="936567" y="2247500"/>
-            <a:ext cx="9228620" cy="4610500"/>
+            <a:off x="3986309" y="1952298"/>
+            <a:ext cx="4219381" cy="4856750"/>
           </a:xfrm>
           <a:prstGeom prst="rect">
             <a:avLst/>
           </a:prstGeom>
         </p:spPr>
       </p:pic>
-      <p:sp>
-        <p:nvSpPr>
-          <p:cNvPr id="5" name="Hộp Văn bản 4">
-            <a:extLst>
-              <a:ext uri="{FF2B5EF4-FFF2-40B4-BE49-F238E27FC236}">
-                <a16:creationId xmlns:a16="http://schemas.microsoft.com/office/drawing/2014/main" id="{2396BA9A-0676-7ADF-C3F1-2CFC5A822E7A}"/>
-              </a:ext>
-            </a:extLst>
-          </p:cNvPr>
-          <p:cNvSpPr txBox="1"/>
-          <p:nvPr/>
-        </p:nvSpPr>
-        <p:spPr>
-          <a:xfrm>
-            <a:off x="838200" y="1429078"/>
-            <a:ext cx="4586654" cy="523220"/>
-          </a:xfrm>
-          <a:prstGeom prst="rect">
-            <a:avLst/>
-          </a:prstGeom>
-          <a:noFill/>
-        </p:spPr>
-        <p:txBody>
-          <a:bodyPr wrap="square" rtlCol="0">
-            <a:spAutoFit/>
-          </a:bodyPr>
-          <a:lstStyle/>
-          <a:p>
-            <a:pPr marL="285750" indent="-285750">
-              <a:buFont typeface="Arial" panose="020B0604020202020204" pitchFamily="34" charset="0"/>
-              <a:buChar char="•"/>
-            </a:pPr>
-            <a:r>
-              <a:rPr lang="en-US" sz="2800" dirty="0"/>
-              <a:t>Scanning Configuration</a:t>
-            </a:r>
-          </a:p>
-        </p:txBody>
-      </p:sp>
     </p:spTree>
     <p:extLst>
       <p:ext uri="{BB962C8B-B14F-4D97-AF65-F5344CB8AC3E}">
-        <p14:creationId xmlns:p14="http://schemas.microsoft.com/office/powerpoint/2010/main" val="7651124"/>
+        <p14:creationId xmlns:p14="http://schemas.microsoft.com/office/powerpoint/2010/main" val="298848003"/>
       </p:ext>
     </p:extLst>
   </p:cSld>
@@ -5702,7 +5745,7 @@
           <p:cNvPr id="2" name="Tiêu đề 1">
             <a:extLst>
               <a:ext uri="{FF2B5EF4-FFF2-40B4-BE49-F238E27FC236}">
-                <a16:creationId xmlns:a16="http://schemas.microsoft.com/office/drawing/2014/main" id="{29507BC8-42C5-5493-3E1C-8BED1A6D7A2F}"/>
+                <a16:creationId xmlns:a16="http://schemas.microsoft.com/office/drawing/2014/main" id="{23243A9E-D760-5D05-EA24-7DBB4F09501F}"/>
               </a:ext>
             </a:extLst>
           </p:cNvPr>
@@ -5731,51 +5774,12 @@
           </a:p>
         </p:txBody>
       </p:sp>
-      <p:sp>
-        <p:nvSpPr>
-          <p:cNvPr id="3" name="Hộp Văn bản 2">
-            <a:extLst>
-              <a:ext uri="{FF2B5EF4-FFF2-40B4-BE49-F238E27FC236}">
-                <a16:creationId xmlns:a16="http://schemas.microsoft.com/office/drawing/2014/main" id="{233E8D19-42FF-96CF-0E59-96E3B2A81BBE}"/>
-              </a:ext>
-            </a:extLst>
-          </p:cNvPr>
-          <p:cNvSpPr txBox="1"/>
-          <p:nvPr/>
-        </p:nvSpPr>
-        <p:spPr>
-          <a:xfrm>
-            <a:off x="838200" y="1429078"/>
-            <a:ext cx="4586654" cy="523220"/>
-          </a:xfrm>
-          <a:prstGeom prst="rect">
-            <a:avLst/>
-          </a:prstGeom>
-          <a:noFill/>
-        </p:spPr>
-        <p:txBody>
-          <a:bodyPr wrap="square" rtlCol="0">
-            <a:spAutoFit/>
-          </a:bodyPr>
-          <a:lstStyle/>
-          <a:p>
-            <a:pPr marL="285750" indent="-285750">
-              <a:buFont typeface="Arial" panose="020B0604020202020204" pitchFamily="34" charset="0"/>
-              <a:buChar char="•"/>
-            </a:pPr>
-            <a:r>
-              <a:rPr lang="en-US" sz="2800" dirty="0"/>
-              <a:t>Scanning Configuration</a:t>
-            </a:r>
-          </a:p>
-        </p:txBody>
-      </p:sp>
       <p:pic>
         <p:nvPicPr>
           <p:cNvPr id="5" name="Hình ảnh 4">
             <a:extLst>
               <a:ext uri="{FF2B5EF4-FFF2-40B4-BE49-F238E27FC236}">
-                <a16:creationId xmlns:a16="http://schemas.microsoft.com/office/drawing/2014/main" id="{32646808-C78B-2883-C338-B6FE3CDF037C}"/>
+                <a16:creationId xmlns:a16="http://schemas.microsoft.com/office/drawing/2014/main" id="{12FDAFC0-553E-A29C-CE4D-3ED3DAD479D7}"/>
               </a:ext>
             </a:extLst>
           </p:cNvPr>
@@ -5792,8 +5796,8 @@
         </p:blipFill>
         <p:spPr>
           <a:xfrm>
-            <a:off x="838200" y="1952298"/>
-            <a:ext cx="9213378" cy="4214225"/>
+            <a:off x="3260274" y="1690688"/>
+            <a:ext cx="5671451" cy="4896612"/>
           </a:xfrm>
           <a:prstGeom prst="rect">
             <a:avLst/>
@@ -5803,7 +5807,7 @@
     </p:spTree>
     <p:extLst>
       <p:ext uri="{BB962C8B-B14F-4D97-AF65-F5344CB8AC3E}">
-        <p14:creationId xmlns:p14="http://schemas.microsoft.com/office/powerpoint/2010/main" val="4281009676"/>
+        <p14:creationId xmlns:p14="http://schemas.microsoft.com/office/powerpoint/2010/main" val="3314728850"/>
       </p:ext>
     </p:extLst>
   </p:cSld>
@@ -5835,7 +5839,7 @@
           <p:cNvPr id="2" name="Tiêu đề 1">
             <a:extLst>
               <a:ext uri="{FF2B5EF4-FFF2-40B4-BE49-F238E27FC236}">
-                <a16:creationId xmlns:a16="http://schemas.microsoft.com/office/drawing/2014/main" id="{01594E31-C738-47F0-A7B2-5DCB0785B244}"/>
+                <a16:creationId xmlns:a16="http://schemas.microsoft.com/office/drawing/2014/main" id="{ADC1734F-BDFE-32E3-92A2-11F9CC1B1052}"/>
               </a:ext>
             </a:extLst>
           </p:cNvPr>
@@ -5864,51 +5868,12 @@
           </a:p>
         </p:txBody>
       </p:sp>
-      <p:sp>
-        <p:nvSpPr>
-          <p:cNvPr id="3" name="Hộp Văn bản 2">
-            <a:extLst>
-              <a:ext uri="{FF2B5EF4-FFF2-40B4-BE49-F238E27FC236}">
-                <a16:creationId xmlns:a16="http://schemas.microsoft.com/office/drawing/2014/main" id="{DCFD6EF4-F26B-2C99-6347-E31F375B193F}"/>
-              </a:ext>
-            </a:extLst>
-          </p:cNvPr>
-          <p:cNvSpPr txBox="1"/>
-          <p:nvPr/>
-        </p:nvSpPr>
-        <p:spPr>
-          <a:xfrm>
-            <a:off x="838200" y="1429078"/>
-            <a:ext cx="4586654" cy="523220"/>
-          </a:xfrm>
-          <a:prstGeom prst="rect">
-            <a:avLst/>
-          </a:prstGeom>
-          <a:noFill/>
-        </p:spPr>
-        <p:txBody>
-          <a:bodyPr wrap="square" rtlCol="0">
-            <a:spAutoFit/>
-          </a:bodyPr>
-          <a:lstStyle/>
-          <a:p>
-            <a:pPr marL="285750" indent="-285750">
-              <a:buFont typeface="Arial" panose="020B0604020202020204" pitchFamily="34" charset="0"/>
-              <a:buChar char="•"/>
-            </a:pPr>
-            <a:r>
-              <a:rPr lang="en-US" sz="2800" dirty="0"/>
-              <a:t>Scanning Configuration</a:t>
-            </a:r>
-          </a:p>
-        </p:txBody>
-      </p:sp>
       <p:pic>
         <p:nvPicPr>
-          <p:cNvPr id="5" name="Hình ảnh 4">
-            <a:extLst>
-              <a:ext uri="{FF2B5EF4-FFF2-40B4-BE49-F238E27FC236}">
-                <a16:creationId xmlns:a16="http://schemas.microsoft.com/office/drawing/2014/main" id="{8200E320-454E-921F-0CEF-BF1DCE737BFA}"/>
+          <p:cNvPr id="4" name="Hình ảnh 3">
+            <a:extLst>
+              <a:ext uri="{FF2B5EF4-FFF2-40B4-BE49-F238E27FC236}">
+                <a16:creationId xmlns:a16="http://schemas.microsoft.com/office/drawing/2014/main" id="{BAD3F4D6-80C5-C669-8484-F39D48562A38}"/>
               </a:ext>
             </a:extLst>
           </p:cNvPr>
@@ -5925,18 +5890,57 @@
         </p:blipFill>
         <p:spPr>
           <a:xfrm>
-            <a:off x="838200" y="1952298"/>
-            <a:ext cx="9350550" cy="2514818"/>
+            <a:off x="936567" y="2247500"/>
+            <a:ext cx="9228620" cy="4610500"/>
           </a:xfrm>
           <a:prstGeom prst="rect">
             <a:avLst/>
           </a:prstGeom>
         </p:spPr>
       </p:pic>
+      <p:sp>
+        <p:nvSpPr>
+          <p:cNvPr id="5" name="Hộp Văn bản 4">
+            <a:extLst>
+              <a:ext uri="{FF2B5EF4-FFF2-40B4-BE49-F238E27FC236}">
+                <a16:creationId xmlns:a16="http://schemas.microsoft.com/office/drawing/2014/main" id="{2396BA9A-0676-7ADF-C3F1-2CFC5A822E7A}"/>
+              </a:ext>
+            </a:extLst>
+          </p:cNvPr>
+          <p:cNvSpPr txBox="1"/>
+          <p:nvPr/>
+        </p:nvSpPr>
+        <p:spPr>
+          <a:xfrm>
+            <a:off x="838200" y="1429078"/>
+            <a:ext cx="4586654" cy="523220"/>
+          </a:xfrm>
+          <a:prstGeom prst="rect">
+            <a:avLst/>
+          </a:prstGeom>
+          <a:noFill/>
+        </p:spPr>
+        <p:txBody>
+          <a:bodyPr wrap="square" rtlCol="0">
+            <a:spAutoFit/>
+          </a:bodyPr>
+          <a:lstStyle/>
+          <a:p>
+            <a:pPr marL="285750" indent="-285750">
+              <a:buFont typeface="Arial" panose="020B0604020202020204" pitchFamily="34" charset="0"/>
+              <a:buChar char="•"/>
+            </a:pPr>
+            <a:r>
+              <a:rPr lang="en-US" sz="2800" dirty="0"/>
+              <a:t>Scanning Configuration</a:t>
+            </a:r>
+          </a:p>
+        </p:txBody>
+      </p:sp>
     </p:spTree>
     <p:extLst>
       <p:ext uri="{BB962C8B-B14F-4D97-AF65-F5344CB8AC3E}">
-        <p14:creationId xmlns:p14="http://schemas.microsoft.com/office/powerpoint/2010/main" val="2189123753"/>
+        <p14:creationId xmlns:p14="http://schemas.microsoft.com/office/powerpoint/2010/main" val="7651124"/>
       </p:ext>
     </p:extLst>
   </p:cSld>
@@ -6038,10 +6042,10 @@
       </p:sp>
       <p:pic>
         <p:nvPicPr>
-          <p:cNvPr id="6" name="Hình ảnh 5">
-            <a:extLst>
-              <a:ext uri="{FF2B5EF4-FFF2-40B4-BE49-F238E27FC236}">
-                <a16:creationId xmlns:a16="http://schemas.microsoft.com/office/drawing/2014/main" id="{4342A101-CA5F-FB0E-0E2E-EEB9B0F1DDBD}"/>
+          <p:cNvPr id="5" name="Hình ảnh 4">
+            <a:extLst>
+              <a:ext uri="{FF2B5EF4-FFF2-40B4-BE49-F238E27FC236}">
+                <a16:creationId xmlns:a16="http://schemas.microsoft.com/office/drawing/2014/main" id="{32646808-C78B-2883-C338-B6FE3CDF037C}"/>
               </a:ext>
             </a:extLst>
           </p:cNvPr>
@@ -6059,7 +6063,7 @@
         <p:spPr>
           <a:xfrm>
             <a:off x="838200" y="1952298"/>
-            <a:ext cx="7251418" cy="4349659"/>
+            <a:ext cx="9213378" cy="4214225"/>
           </a:xfrm>
           <a:prstGeom prst="rect">
             <a:avLst/>
@@ -6069,7 +6073,7 @@
     </p:spTree>
     <p:extLst>
       <p:ext uri="{BB962C8B-B14F-4D97-AF65-F5344CB8AC3E}">
-        <p14:creationId xmlns:p14="http://schemas.microsoft.com/office/powerpoint/2010/main" val="1635274897"/>
+        <p14:creationId xmlns:p14="http://schemas.microsoft.com/office/powerpoint/2010/main" val="4281009676"/>
       </p:ext>
     </p:extLst>
   </p:cSld>
@@ -6232,7 +6236,7 @@
           <p:cNvPr id="2" name="Tiêu đề 1">
             <a:extLst>
               <a:ext uri="{FF2B5EF4-FFF2-40B4-BE49-F238E27FC236}">
-                <a16:creationId xmlns:a16="http://schemas.microsoft.com/office/drawing/2014/main" id="{29507BC8-42C5-5493-3E1C-8BED1A6D7A2F}"/>
+                <a16:creationId xmlns:a16="http://schemas.microsoft.com/office/drawing/2014/main" id="{01594E31-C738-47F0-A7B2-5DCB0785B244}"/>
               </a:ext>
             </a:extLst>
           </p:cNvPr>
@@ -6266,7 +6270,7 @@
           <p:cNvPr id="3" name="Hộp Văn bản 2">
             <a:extLst>
               <a:ext uri="{FF2B5EF4-FFF2-40B4-BE49-F238E27FC236}">
-                <a16:creationId xmlns:a16="http://schemas.microsoft.com/office/drawing/2014/main" id="{233E8D19-42FF-96CF-0E59-96E3B2A81BBE}"/>
+                <a16:creationId xmlns:a16="http://schemas.microsoft.com/office/drawing/2014/main" id="{DCFD6EF4-F26B-2C99-6347-E31F375B193F}"/>
               </a:ext>
             </a:extLst>
           </p:cNvPr>
@@ -6275,8 +6279,8 @@
         </p:nvSpPr>
         <p:spPr>
           <a:xfrm>
-            <a:off x="838199" y="1429078"/>
-            <a:ext cx="11013831" cy="954107"/>
+            <a:off x="838200" y="1429078"/>
+            <a:ext cx="4586654" cy="523220"/>
           </a:xfrm>
           <a:prstGeom prst="rect">
             <a:avLst/>
@@ -6295,7 +6299,7 @@
             </a:pPr>
             <a:r>
               <a:rPr lang="en-US" sz="2800" dirty="0"/>
-              <a:t>Application Login: We can let the crawler use a valid credential for a login form</a:t>
+              <a:t>Scanning Configuration</a:t>
             </a:r>
           </a:p>
         </p:txBody>
@@ -6305,7 +6309,7 @@
           <p:cNvPr id="5" name="Hình ảnh 4">
             <a:extLst>
               <a:ext uri="{FF2B5EF4-FFF2-40B4-BE49-F238E27FC236}">
-                <a16:creationId xmlns:a16="http://schemas.microsoft.com/office/drawing/2014/main" id="{C88A62A8-0134-8E0D-CBE1-19F65AA0BD81}"/>
+                <a16:creationId xmlns:a16="http://schemas.microsoft.com/office/drawing/2014/main" id="{8200E320-454E-921F-0CEF-BF1DCE737BFA}"/>
               </a:ext>
             </a:extLst>
           </p:cNvPr>
@@ -6322,8 +6326,8 @@
         </p:blipFill>
         <p:spPr>
           <a:xfrm>
-            <a:off x="3598267" y="2383185"/>
-            <a:ext cx="4995466" cy="4344061"/>
+            <a:off x="838200" y="1952298"/>
+            <a:ext cx="9350550" cy="2514818"/>
           </a:xfrm>
           <a:prstGeom prst="rect">
             <a:avLst/>
@@ -6333,7 +6337,7 @@
     </p:spTree>
     <p:extLst>
       <p:ext uri="{BB962C8B-B14F-4D97-AF65-F5344CB8AC3E}">
-        <p14:creationId xmlns:p14="http://schemas.microsoft.com/office/powerpoint/2010/main" val="2522038296"/>
+        <p14:creationId xmlns:p14="http://schemas.microsoft.com/office/powerpoint/2010/main" val="2189123753"/>
       </p:ext>
     </p:extLst>
   </p:cSld>
@@ -6428,17 +6432,17 @@
             </a:pPr>
             <a:r>
               <a:rPr lang="en-US" sz="2800" dirty="0"/>
-              <a:t>Resource Pool</a:t>
+              <a:t>Scanning Configuration</a:t>
             </a:r>
           </a:p>
         </p:txBody>
       </p:sp>
       <p:pic>
         <p:nvPicPr>
-          <p:cNvPr id="5" name="Hình ảnh 4">
-            <a:extLst>
-              <a:ext uri="{FF2B5EF4-FFF2-40B4-BE49-F238E27FC236}">
-                <a16:creationId xmlns:a16="http://schemas.microsoft.com/office/drawing/2014/main" id="{B688A63B-B655-7A0F-22D9-BB7138EAFF6A}"/>
+          <p:cNvPr id="6" name="Hình ảnh 5">
+            <a:extLst>
+              <a:ext uri="{FF2B5EF4-FFF2-40B4-BE49-F238E27FC236}">
+                <a16:creationId xmlns:a16="http://schemas.microsoft.com/office/drawing/2014/main" id="{4342A101-CA5F-FB0E-0E2E-EEB9B0F1DDBD}"/>
               </a:ext>
             </a:extLst>
           </p:cNvPr>
@@ -6455,8 +6459,8 @@
         </p:blipFill>
         <p:spPr>
           <a:xfrm>
-            <a:off x="3359760" y="1952298"/>
-            <a:ext cx="5472479" cy="4742815"/>
+            <a:off x="838200" y="1952298"/>
+            <a:ext cx="7251418" cy="4349659"/>
           </a:xfrm>
           <a:prstGeom prst="rect">
             <a:avLst/>
@@ -6466,7 +6470,7 @@
     </p:spTree>
     <p:extLst>
       <p:ext uri="{BB962C8B-B14F-4D97-AF65-F5344CB8AC3E}">
-        <p14:creationId xmlns:p14="http://schemas.microsoft.com/office/powerpoint/2010/main" val="1476589791"/>
+        <p14:creationId xmlns:p14="http://schemas.microsoft.com/office/powerpoint/2010/main" val="1635274897"/>
       </p:ext>
     </p:extLst>
   </p:cSld>
@@ -6498,6 +6502,272 @@
           <p:cNvPr id="2" name="Tiêu đề 1">
             <a:extLst>
               <a:ext uri="{FF2B5EF4-FFF2-40B4-BE49-F238E27FC236}">
+                <a16:creationId xmlns:a16="http://schemas.microsoft.com/office/drawing/2014/main" id="{29507BC8-42C5-5493-3E1C-8BED1A6D7A2F}"/>
+              </a:ext>
+            </a:extLst>
+          </p:cNvPr>
+          <p:cNvSpPr>
+            <a:spLocks noGrp="1"/>
+          </p:cNvSpPr>
+          <p:nvPr>
+            <p:ph type="title"/>
+          </p:nvPr>
+        </p:nvSpPr>
+        <p:spPr/>
+        <p:txBody>
+          <a:bodyPr/>
+          <a:lstStyle/>
+          <a:p>
+            <a:r>
+              <a:rPr lang="en-US" dirty="0">
+                <a:solidFill>
+                  <a:schemeClr val="accent2"/>
+                </a:solidFill>
+                <a:latin typeface="+mn-lt"/>
+              </a:rPr>
+              <a:t>3. Crawling</a:t>
+            </a:r>
+            <a:endParaRPr lang="en-US" dirty="0"/>
+          </a:p>
+        </p:txBody>
+      </p:sp>
+      <p:sp>
+        <p:nvSpPr>
+          <p:cNvPr id="3" name="Hộp Văn bản 2">
+            <a:extLst>
+              <a:ext uri="{FF2B5EF4-FFF2-40B4-BE49-F238E27FC236}">
+                <a16:creationId xmlns:a16="http://schemas.microsoft.com/office/drawing/2014/main" id="{233E8D19-42FF-96CF-0E59-96E3B2A81BBE}"/>
+              </a:ext>
+            </a:extLst>
+          </p:cNvPr>
+          <p:cNvSpPr txBox="1"/>
+          <p:nvPr/>
+        </p:nvSpPr>
+        <p:spPr>
+          <a:xfrm>
+            <a:off x="838199" y="1429078"/>
+            <a:ext cx="11013831" cy="954107"/>
+          </a:xfrm>
+          <a:prstGeom prst="rect">
+            <a:avLst/>
+          </a:prstGeom>
+          <a:noFill/>
+        </p:spPr>
+        <p:txBody>
+          <a:bodyPr wrap="square" rtlCol="0">
+            <a:spAutoFit/>
+          </a:bodyPr>
+          <a:lstStyle/>
+          <a:p>
+            <a:pPr marL="285750" indent="-285750">
+              <a:buFont typeface="Arial" panose="020B0604020202020204" pitchFamily="34" charset="0"/>
+              <a:buChar char="•"/>
+            </a:pPr>
+            <a:r>
+              <a:rPr lang="en-US" sz="2800" dirty="0"/>
+              <a:t>Application Login: We can let the crawler use a valid credential for a login form</a:t>
+            </a:r>
+          </a:p>
+        </p:txBody>
+      </p:sp>
+      <p:pic>
+        <p:nvPicPr>
+          <p:cNvPr id="5" name="Hình ảnh 4">
+            <a:extLst>
+              <a:ext uri="{FF2B5EF4-FFF2-40B4-BE49-F238E27FC236}">
+                <a16:creationId xmlns:a16="http://schemas.microsoft.com/office/drawing/2014/main" id="{C88A62A8-0134-8E0D-CBE1-19F65AA0BD81}"/>
+              </a:ext>
+            </a:extLst>
+          </p:cNvPr>
+          <p:cNvPicPr>
+            <a:picLocks noChangeAspect="1"/>
+          </p:cNvPicPr>
+          <p:nvPr/>
+        </p:nvPicPr>
+        <p:blipFill>
+          <a:blip r:embed="rId2"/>
+          <a:stretch>
+            <a:fillRect/>
+          </a:stretch>
+        </p:blipFill>
+        <p:spPr>
+          <a:xfrm>
+            <a:off x="3598267" y="2383185"/>
+            <a:ext cx="4995466" cy="4344061"/>
+          </a:xfrm>
+          <a:prstGeom prst="rect">
+            <a:avLst/>
+          </a:prstGeom>
+        </p:spPr>
+      </p:pic>
+    </p:spTree>
+    <p:extLst>
+      <p:ext uri="{BB962C8B-B14F-4D97-AF65-F5344CB8AC3E}">
+        <p14:creationId xmlns:p14="http://schemas.microsoft.com/office/powerpoint/2010/main" val="2522038296"/>
+      </p:ext>
+    </p:extLst>
+  </p:cSld>
+  <p:clrMapOvr>
+    <a:masterClrMapping/>
+  </p:clrMapOvr>
+</p:sld>
+</file>
+
+<file path=ppt/slides/slide33.xml><?xml version="1.0" encoding="utf-8"?>
+<p:sld xmlns:a="http://schemas.openxmlformats.org/drawingml/2006/main" xmlns:r="http://schemas.openxmlformats.org/officeDocument/2006/relationships" xmlns:p="http://schemas.openxmlformats.org/presentationml/2006/main">
+  <p:cSld>
+    <p:spTree>
+      <p:nvGrpSpPr>
+        <p:cNvPr id="1" name=""/>
+        <p:cNvGrpSpPr/>
+        <p:nvPr/>
+      </p:nvGrpSpPr>
+      <p:grpSpPr>
+        <a:xfrm>
+          <a:off x="0" y="0"/>
+          <a:ext cx="0" cy="0"/>
+          <a:chOff x="0" y="0"/>
+          <a:chExt cx="0" cy="0"/>
+        </a:xfrm>
+      </p:grpSpPr>
+      <p:sp>
+        <p:nvSpPr>
+          <p:cNvPr id="2" name="Tiêu đề 1">
+            <a:extLst>
+              <a:ext uri="{FF2B5EF4-FFF2-40B4-BE49-F238E27FC236}">
+                <a16:creationId xmlns:a16="http://schemas.microsoft.com/office/drawing/2014/main" id="{29507BC8-42C5-5493-3E1C-8BED1A6D7A2F}"/>
+              </a:ext>
+            </a:extLst>
+          </p:cNvPr>
+          <p:cNvSpPr>
+            <a:spLocks noGrp="1"/>
+          </p:cNvSpPr>
+          <p:nvPr>
+            <p:ph type="title"/>
+          </p:nvPr>
+        </p:nvSpPr>
+        <p:spPr/>
+        <p:txBody>
+          <a:bodyPr/>
+          <a:lstStyle/>
+          <a:p>
+            <a:r>
+              <a:rPr lang="en-US" dirty="0">
+                <a:solidFill>
+                  <a:schemeClr val="accent2"/>
+                </a:solidFill>
+                <a:latin typeface="+mn-lt"/>
+              </a:rPr>
+              <a:t>3. Crawling</a:t>
+            </a:r>
+            <a:endParaRPr lang="en-US" dirty="0"/>
+          </a:p>
+        </p:txBody>
+      </p:sp>
+      <p:sp>
+        <p:nvSpPr>
+          <p:cNvPr id="3" name="Hộp Văn bản 2">
+            <a:extLst>
+              <a:ext uri="{FF2B5EF4-FFF2-40B4-BE49-F238E27FC236}">
+                <a16:creationId xmlns:a16="http://schemas.microsoft.com/office/drawing/2014/main" id="{233E8D19-42FF-96CF-0E59-96E3B2A81BBE}"/>
+              </a:ext>
+            </a:extLst>
+          </p:cNvPr>
+          <p:cNvSpPr txBox="1"/>
+          <p:nvPr/>
+        </p:nvSpPr>
+        <p:spPr>
+          <a:xfrm>
+            <a:off x="838200" y="1429078"/>
+            <a:ext cx="4586654" cy="523220"/>
+          </a:xfrm>
+          <a:prstGeom prst="rect">
+            <a:avLst/>
+          </a:prstGeom>
+          <a:noFill/>
+        </p:spPr>
+        <p:txBody>
+          <a:bodyPr wrap="square" rtlCol="0">
+            <a:spAutoFit/>
+          </a:bodyPr>
+          <a:lstStyle/>
+          <a:p>
+            <a:pPr marL="285750" indent="-285750">
+              <a:buFont typeface="Arial" panose="020B0604020202020204" pitchFamily="34" charset="0"/>
+              <a:buChar char="•"/>
+            </a:pPr>
+            <a:r>
+              <a:rPr lang="en-US" sz="2800" dirty="0"/>
+              <a:t>Resource Pool</a:t>
+            </a:r>
+          </a:p>
+        </p:txBody>
+      </p:sp>
+      <p:pic>
+        <p:nvPicPr>
+          <p:cNvPr id="5" name="Hình ảnh 4">
+            <a:extLst>
+              <a:ext uri="{FF2B5EF4-FFF2-40B4-BE49-F238E27FC236}">
+                <a16:creationId xmlns:a16="http://schemas.microsoft.com/office/drawing/2014/main" id="{B688A63B-B655-7A0F-22D9-BB7138EAFF6A}"/>
+              </a:ext>
+            </a:extLst>
+          </p:cNvPr>
+          <p:cNvPicPr>
+            <a:picLocks noChangeAspect="1"/>
+          </p:cNvPicPr>
+          <p:nvPr/>
+        </p:nvPicPr>
+        <p:blipFill>
+          <a:blip r:embed="rId2"/>
+          <a:stretch>
+            <a:fillRect/>
+          </a:stretch>
+        </p:blipFill>
+        <p:spPr>
+          <a:xfrm>
+            <a:off x="3359760" y="1952298"/>
+            <a:ext cx="5472479" cy="4742815"/>
+          </a:xfrm>
+          <a:prstGeom prst="rect">
+            <a:avLst/>
+          </a:prstGeom>
+        </p:spPr>
+      </p:pic>
+    </p:spTree>
+    <p:extLst>
+      <p:ext uri="{BB962C8B-B14F-4D97-AF65-F5344CB8AC3E}">
+        <p14:creationId xmlns:p14="http://schemas.microsoft.com/office/powerpoint/2010/main" val="1476589791"/>
+      </p:ext>
+    </p:extLst>
+  </p:cSld>
+  <p:clrMapOvr>
+    <a:masterClrMapping/>
+  </p:clrMapOvr>
+</p:sld>
+</file>
+
+<file path=ppt/slides/slide34.xml><?xml version="1.0" encoding="utf-8"?>
+<p:sld xmlns:a="http://schemas.openxmlformats.org/drawingml/2006/main" xmlns:r="http://schemas.openxmlformats.org/officeDocument/2006/relationships" xmlns:p="http://schemas.openxmlformats.org/presentationml/2006/main">
+  <p:cSld>
+    <p:spTree>
+      <p:nvGrpSpPr>
+        <p:cNvPr id="1" name=""/>
+        <p:cNvGrpSpPr/>
+        <p:nvPr/>
+      </p:nvGrpSpPr>
+      <p:grpSpPr>
+        <a:xfrm>
+          <a:off x="0" y="0"/>
+          <a:ext cx="0" cy="0"/>
+          <a:chOff x="0" y="0"/>
+          <a:chExt cx="0" cy="0"/>
+        </a:xfrm>
+      </p:grpSpPr>
+      <p:sp>
+        <p:nvSpPr>
+          <p:cNvPr id="2" name="Tiêu đề 1">
+            <a:extLst>
+              <a:ext uri="{FF2B5EF4-FFF2-40B4-BE49-F238E27FC236}">
                 <a16:creationId xmlns:a16="http://schemas.microsoft.com/office/drawing/2014/main" id="{4273BF66-94C5-A0F5-DC42-416CB5FF0D51}"/>
               </a:ext>
             </a:extLst>
@@ -6586,7 +6856,7 @@
 </p:sld>
 </file>
 
-<file path=ppt/slides/slide33.xml><?xml version="1.0" encoding="utf-8"?>
+<file path=ppt/slides/slide35.xml><?xml version="1.0" encoding="utf-8"?>
 <p:sld xmlns:a="http://schemas.openxmlformats.org/drawingml/2006/main" xmlns:r="http://schemas.openxmlformats.org/officeDocument/2006/relationships" xmlns:p="http://schemas.openxmlformats.org/presentationml/2006/main">
   <p:cSld>
     <p:spTree>
